--- a/figures/mediation model.pptx
+++ b/figures/mediation model.pptx
@@ -270,7 +270,7 @@
           <a:p>
             <a:fld id="{28247A9A-8EBE-463F-8D15-2ADD7028500F}" type="datetimeFigureOut">
               <a:rPr lang="en-US" smtClean="0"/>
-              <a:t>5/13/2020</a:t>
+              <a:t>6/7/2020</a:t>
             </a:fld>
             <a:endParaRPr lang="en-US"/>
           </a:p>
@@ -468,7 +468,7 @@
           <a:p>
             <a:fld id="{28247A9A-8EBE-463F-8D15-2ADD7028500F}" type="datetimeFigureOut">
               <a:rPr lang="en-US" smtClean="0"/>
-              <a:t>5/13/2020</a:t>
+              <a:t>6/7/2020</a:t>
             </a:fld>
             <a:endParaRPr lang="en-US"/>
           </a:p>
@@ -676,7 +676,7 @@
           <a:p>
             <a:fld id="{28247A9A-8EBE-463F-8D15-2ADD7028500F}" type="datetimeFigureOut">
               <a:rPr lang="en-US" smtClean="0"/>
-              <a:t>5/13/2020</a:t>
+              <a:t>6/7/2020</a:t>
             </a:fld>
             <a:endParaRPr lang="en-US"/>
           </a:p>
@@ -874,7 +874,7 @@
           <a:p>
             <a:fld id="{28247A9A-8EBE-463F-8D15-2ADD7028500F}" type="datetimeFigureOut">
               <a:rPr lang="en-US" smtClean="0"/>
-              <a:t>5/13/2020</a:t>
+              <a:t>6/7/2020</a:t>
             </a:fld>
             <a:endParaRPr lang="en-US"/>
           </a:p>
@@ -1149,7 +1149,7 @@
           <a:p>
             <a:fld id="{28247A9A-8EBE-463F-8D15-2ADD7028500F}" type="datetimeFigureOut">
               <a:rPr lang="en-US" smtClean="0"/>
-              <a:t>5/13/2020</a:t>
+              <a:t>6/7/2020</a:t>
             </a:fld>
             <a:endParaRPr lang="en-US"/>
           </a:p>
@@ -1414,7 +1414,7 @@
           <a:p>
             <a:fld id="{28247A9A-8EBE-463F-8D15-2ADD7028500F}" type="datetimeFigureOut">
               <a:rPr lang="en-US" smtClean="0"/>
-              <a:t>5/13/2020</a:t>
+              <a:t>6/7/2020</a:t>
             </a:fld>
             <a:endParaRPr lang="en-US"/>
           </a:p>
@@ -1826,7 +1826,7 @@
           <a:p>
             <a:fld id="{28247A9A-8EBE-463F-8D15-2ADD7028500F}" type="datetimeFigureOut">
               <a:rPr lang="en-US" smtClean="0"/>
-              <a:t>5/13/2020</a:t>
+              <a:t>6/7/2020</a:t>
             </a:fld>
             <a:endParaRPr lang="en-US"/>
           </a:p>
@@ -1967,7 +1967,7 @@
           <a:p>
             <a:fld id="{28247A9A-8EBE-463F-8D15-2ADD7028500F}" type="datetimeFigureOut">
               <a:rPr lang="en-US" smtClean="0"/>
-              <a:t>5/13/2020</a:t>
+              <a:t>6/7/2020</a:t>
             </a:fld>
             <a:endParaRPr lang="en-US"/>
           </a:p>
@@ -2080,7 +2080,7 @@
           <a:p>
             <a:fld id="{28247A9A-8EBE-463F-8D15-2ADD7028500F}" type="datetimeFigureOut">
               <a:rPr lang="en-US" smtClean="0"/>
-              <a:t>5/13/2020</a:t>
+              <a:t>6/7/2020</a:t>
             </a:fld>
             <a:endParaRPr lang="en-US"/>
           </a:p>
@@ -2391,7 +2391,7 @@
           <a:p>
             <a:fld id="{28247A9A-8EBE-463F-8D15-2ADD7028500F}" type="datetimeFigureOut">
               <a:rPr lang="en-US" smtClean="0"/>
-              <a:t>5/13/2020</a:t>
+              <a:t>6/7/2020</a:t>
             </a:fld>
             <a:endParaRPr lang="en-US"/>
           </a:p>
@@ -2679,7 +2679,7 @@
           <a:p>
             <a:fld id="{28247A9A-8EBE-463F-8D15-2ADD7028500F}" type="datetimeFigureOut">
               <a:rPr lang="en-US" smtClean="0"/>
-              <a:t>5/13/2020</a:t>
+              <a:t>6/7/2020</a:t>
             </a:fld>
             <a:endParaRPr lang="en-US"/>
           </a:p>
@@ -2920,7 +2920,7 @@
           <a:p>
             <a:fld id="{28247A9A-8EBE-463F-8D15-2ADD7028500F}" type="datetimeFigureOut">
               <a:rPr lang="en-US" smtClean="0"/>
-              <a:t>5/13/2020</a:t>
+              <a:t>6/7/2020</a:t>
             </a:fld>
             <a:endParaRPr lang="en-US"/>
           </a:p>
@@ -3663,42 +3663,6 @@
       </p:sp>
       <p:sp>
         <p:nvSpPr>
-          <p:cNvPr id="30" name="TextBox 29">
-            <a:extLst>
-              <a:ext uri="{FF2B5EF4-FFF2-40B4-BE49-F238E27FC236}">
-                <a16:creationId xmlns:a16="http://schemas.microsoft.com/office/drawing/2014/main" id="{D0310568-B2FF-443D-8ED4-6A9358A940D2}"/>
-              </a:ext>
-            </a:extLst>
-          </p:cNvPr>
-          <p:cNvSpPr txBox="1"/>
-          <p:nvPr/>
-        </p:nvSpPr>
-        <p:spPr>
-          <a:xfrm>
-            <a:off x="5386251" y="4896526"/>
-            <a:ext cx="1419498" cy="369332"/>
-          </a:xfrm>
-          <a:prstGeom prst="rect">
-            <a:avLst/>
-          </a:prstGeom>
-          <a:noFill/>
-        </p:spPr>
-        <p:txBody>
-          <a:bodyPr wrap="square" rtlCol="0">
-            <a:spAutoFit/>
-          </a:bodyPr>
-          <a:lstStyle/>
-          <a:p>
-            <a:pPr algn="ctr"/>
-            <a:r>
-              <a:rPr lang="en-US" dirty="0"/>
-              <a:t>c path</a:t>
-            </a:r>
-          </a:p>
-        </p:txBody>
-      </p:sp>
-      <p:sp>
-        <p:nvSpPr>
           <p:cNvPr id="31" name="TextBox 30">
             <a:extLst>
               <a:ext uri="{FF2B5EF4-FFF2-40B4-BE49-F238E27FC236}">

--- a/figures/mediation model.pptx
+++ b/figures/mediation model.pptx
@@ -270,7 +270,7 @@
           <a:p>
             <a:fld id="{28247A9A-8EBE-463F-8D15-2ADD7028500F}" type="datetimeFigureOut">
               <a:rPr lang="en-US" smtClean="0"/>
-              <a:t>6/7/2020</a:t>
+              <a:t>7/1/2020</a:t>
             </a:fld>
             <a:endParaRPr lang="en-US"/>
           </a:p>
@@ -468,7 +468,7 @@
           <a:p>
             <a:fld id="{28247A9A-8EBE-463F-8D15-2ADD7028500F}" type="datetimeFigureOut">
               <a:rPr lang="en-US" smtClean="0"/>
-              <a:t>6/7/2020</a:t>
+              <a:t>7/1/2020</a:t>
             </a:fld>
             <a:endParaRPr lang="en-US"/>
           </a:p>
@@ -676,7 +676,7 @@
           <a:p>
             <a:fld id="{28247A9A-8EBE-463F-8D15-2ADD7028500F}" type="datetimeFigureOut">
               <a:rPr lang="en-US" smtClean="0"/>
-              <a:t>6/7/2020</a:t>
+              <a:t>7/1/2020</a:t>
             </a:fld>
             <a:endParaRPr lang="en-US"/>
           </a:p>
@@ -874,7 +874,7 @@
           <a:p>
             <a:fld id="{28247A9A-8EBE-463F-8D15-2ADD7028500F}" type="datetimeFigureOut">
               <a:rPr lang="en-US" smtClean="0"/>
-              <a:t>6/7/2020</a:t>
+              <a:t>7/1/2020</a:t>
             </a:fld>
             <a:endParaRPr lang="en-US"/>
           </a:p>
@@ -1149,7 +1149,7 @@
           <a:p>
             <a:fld id="{28247A9A-8EBE-463F-8D15-2ADD7028500F}" type="datetimeFigureOut">
               <a:rPr lang="en-US" smtClean="0"/>
-              <a:t>6/7/2020</a:t>
+              <a:t>7/1/2020</a:t>
             </a:fld>
             <a:endParaRPr lang="en-US"/>
           </a:p>
@@ -1414,7 +1414,7 @@
           <a:p>
             <a:fld id="{28247A9A-8EBE-463F-8D15-2ADD7028500F}" type="datetimeFigureOut">
               <a:rPr lang="en-US" smtClean="0"/>
-              <a:t>6/7/2020</a:t>
+              <a:t>7/1/2020</a:t>
             </a:fld>
             <a:endParaRPr lang="en-US"/>
           </a:p>
@@ -1826,7 +1826,7 @@
           <a:p>
             <a:fld id="{28247A9A-8EBE-463F-8D15-2ADD7028500F}" type="datetimeFigureOut">
               <a:rPr lang="en-US" smtClean="0"/>
-              <a:t>6/7/2020</a:t>
+              <a:t>7/1/2020</a:t>
             </a:fld>
             <a:endParaRPr lang="en-US"/>
           </a:p>
@@ -1967,7 +1967,7 @@
           <a:p>
             <a:fld id="{28247A9A-8EBE-463F-8D15-2ADD7028500F}" type="datetimeFigureOut">
               <a:rPr lang="en-US" smtClean="0"/>
-              <a:t>6/7/2020</a:t>
+              <a:t>7/1/2020</a:t>
             </a:fld>
             <a:endParaRPr lang="en-US"/>
           </a:p>
@@ -2080,7 +2080,7 @@
           <a:p>
             <a:fld id="{28247A9A-8EBE-463F-8D15-2ADD7028500F}" type="datetimeFigureOut">
               <a:rPr lang="en-US" smtClean="0"/>
-              <a:t>6/7/2020</a:t>
+              <a:t>7/1/2020</a:t>
             </a:fld>
             <a:endParaRPr lang="en-US"/>
           </a:p>
@@ -2391,7 +2391,7 @@
           <a:p>
             <a:fld id="{28247A9A-8EBE-463F-8D15-2ADD7028500F}" type="datetimeFigureOut">
               <a:rPr lang="en-US" smtClean="0"/>
-              <a:t>6/7/2020</a:t>
+              <a:t>7/1/2020</a:t>
             </a:fld>
             <a:endParaRPr lang="en-US"/>
           </a:p>
@@ -2679,7 +2679,7 @@
           <a:p>
             <a:fld id="{28247A9A-8EBE-463F-8D15-2ADD7028500F}" type="datetimeFigureOut">
               <a:rPr lang="en-US" smtClean="0"/>
-              <a:t>6/7/2020</a:t>
+              <a:t>7/1/2020</a:t>
             </a:fld>
             <a:endParaRPr lang="en-US"/>
           </a:p>
@@ -2920,7 +2920,7 @@
           <a:p>
             <a:fld id="{28247A9A-8EBE-463F-8D15-2ADD7028500F}" type="datetimeFigureOut">
               <a:rPr lang="en-US" smtClean="0"/>
-              <a:t>6/7/2020</a:t>
+              <a:t>7/1/2020</a:t>
             </a:fld>
             <a:endParaRPr lang="en-US"/>
           </a:p>
@@ -3373,7 +3373,7 @@
             <a:pPr algn="ctr"/>
             <a:r>
               <a:rPr lang="en-US" dirty="0"/>
-              <a:t>Social ties</a:t>
+              <a:t>Strength of social connections</a:t>
             </a:r>
           </a:p>
         </p:txBody>
